--- a/documentations/StudyBuddy_ERD.pptx
+++ b/documentations/StudyBuddy_ERD.pptx
@@ -104,6 +104,11 @@
       </a:defRPr>
     </a:lvl9pPr>
   </p:defaultTextStyle>
+  <p:extLst>
+    <p:ext uri="{EFAFB233-063F-42B5-8137-9DF3F51BA10A}">
+      <p15:sldGuideLst xmlns:p15="http://schemas.microsoft.com/office/powerpoint/2012/main"/>
+    </p:ext>
+  </p:extLst>
 </p:presentation>
 </file>
 
@@ -3335,7 +3340,7 @@
         </p:nvSpPr>
         <p:spPr>
           <a:xfrm>
-            <a:off x="1196502" y="3275353"/>
+            <a:off x="1179611" y="1459149"/>
             <a:ext cx="2208179" cy="2308324"/>
           </a:xfrm>
           <a:prstGeom prst="rect">
@@ -3446,7 +3451,7 @@
         </p:nvSpPr>
         <p:spPr>
           <a:xfrm>
-            <a:off x="5145932" y="2159540"/>
+            <a:off x="8804210" y="2451370"/>
             <a:ext cx="1616148" cy="1200329"/>
           </a:xfrm>
           <a:prstGeom prst="rect">
@@ -3530,6 +3535,128 @@
           <a:lstStyle/>
           <a:p>
             <a:endParaRPr lang="en-US" dirty="0"/>
+          </a:p>
+        </p:txBody>
+      </p:sp>
+      <p:sp>
+        <p:nvSpPr>
+          <p:cNvPr id="2" name="TextBox 1">
+            <a:extLst>
+              <a:ext uri="{FF2B5EF4-FFF2-40B4-BE49-F238E27FC236}">
+                <a16:creationId xmlns:a16="http://schemas.microsoft.com/office/drawing/2014/main" id="{B051F860-CA75-048B-866B-D3A2CF4A77FF}"/>
+              </a:ext>
+            </a:extLst>
+          </p:cNvPr>
+          <p:cNvSpPr txBox="1"/>
+          <p:nvPr/>
+        </p:nvSpPr>
+        <p:spPr>
+          <a:xfrm>
+            <a:off x="5045413" y="2347316"/>
+            <a:ext cx="2101174" cy="1200329"/>
+          </a:xfrm>
+          <a:prstGeom prst="rect">
+            <a:avLst/>
+          </a:prstGeom>
+          <a:noFill/>
+        </p:spPr>
+        <p:txBody>
+          <a:bodyPr wrap="square" rtlCol="0">
+            <a:spAutoFit/>
+          </a:bodyPr>
+          <a:lstStyle/>
+          <a:p>
+            <a:r>
+              <a:rPr lang="en-US" dirty="0" err="1"/>
+              <a:t>Atendee</a:t>
+            </a:r>
+            <a:endParaRPr lang="en-US" dirty="0"/>
+          </a:p>
+          <a:p>
+            <a:pPr marL="285750" indent="-285750">
+              <a:buFont typeface="Arial" panose="020B0604020202020204" pitchFamily="34" charset="0"/>
+              <a:buChar char="•"/>
+            </a:pPr>
+            <a:r>
+              <a:rPr lang="en-US" dirty="0" err="1"/>
+              <a:t>User_id</a:t>
+            </a:r>
+            <a:r>
+              <a:rPr lang="en-US" dirty="0"/>
+              <a:t> (</a:t>
+            </a:r>
+            <a:r>
+              <a:rPr lang="en-US" dirty="0" err="1"/>
+              <a:t>fk</a:t>
+            </a:r>
+            <a:r>
+              <a:rPr lang="en-US" dirty="0"/>
+              <a:t>)</a:t>
+            </a:r>
+          </a:p>
+          <a:p>
+            <a:pPr marL="285750" indent="-285750">
+              <a:buFont typeface="Arial" panose="020B0604020202020204" pitchFamily="34" charset="0"/>
+              <a:buChar char="•"/>
+            </a:pPr>
+            <a:r>
+              <a:rPr lang="en-US" dirty="0" err="1"/>
+              <a:t>Session_id</a:t>
+            </a:r>
+            <a:r>
+              <a:rPr lang="en-US" dirty="0"/>
+              <a:t> (PK)</a:t>
+            </a:r>
+          </a:p>
+          <a:p>
+            <a:pPr marL="285750" indent="-285750">
+              <a:buFont typeface="Arial" panose="020B0604020202020204" pitchFamily="34" charset="0"/>
+              <a:buChar char="•"/>
+            </a:pPr>
+            <a:r>
+              <a:rPr lang="en-US" dirty="0" err="1"/>
+              <a:t>Isorganizer</a:t>
+            </a:r>
+            <a:endParaRPr lang="en-US" dirty="0"/>
+          </a:p>
+        </p:txBody>
+      </p:sp>
+      <p:sp>
+        <p:nvSpPr>
+          <p:cNvPr id="3" name="TextBox 2">
+            <a:extLst>
+              <a:ext uri="{FF2B5EF4-FFF2-40B4-BE49-F238E27FC236}">
+                <a16:creationId xmlns:a16="http://schemas.microsoft.com/office/drawing/2014/main" id="{516EE9E4-BF02-EB14-8E35-368D399FB0C4}"/>
+              </a:ext>
+            </a:extLst>
+          </p:cNvPr>
+          <p:cNvSpPr txBox="1"/>
+          <p:nvPr/>
+        </p:nvSpPr>
+        <p:spPr>
+          <a:xfrm>
+            <a:off x="4630366" y="5749047"/>
+            <a:ext cx="2313518" cy="369332"/>
+          </a:xfrm>
+          <a:prstGeom prst="rect">
+            <a:avLst/>
+          </a:prstGeom>
+          <a:noFill/>
+        </p:spPr>
+        <p:txBody>
+          <a:bodyPr wrap="none" rtlCol="0">
+            <a:spAutoFit/>
+          </a:bodyPr>
+          <a:lstStyle/>
+          <a:p>
+            <a:r>
+              <a:rPr lang="en-US" dirty="0"/>
+              <a:t>Many to </a:t>
+            </a:r>
+            <a:r>
+              <a:rPr lang="en-US"/>
+              <a:t>many relation</a:t>
+            </a:r>
           </a:p>
         </p:txBody>
       </p:sp>
